--- a/VanAttaExploration.pptx
+++ b/VanAttaExploration.pptx
@@ -5986,7 +5986,7 @@
                         <a:rPr lang="en-US" b="0" i="1" smtClean="0">
                           <a:latin typeface="Cambria Math" panose="02040503050406030204" pitchFamily="18" charset="0"/>
                         </a:rPr>
-                        <m:t>−</m:t>
+                        <m:t>+</m:t>
                       </m:r>
                       <m:r>
                         <m:rPr>
@@ -6066,7 +6066,7 @@
                         <a:rPr lang="en-US" b="0" i="1" smtClean="0">
                           <a:latin typeface="Cambria Math" panose="02040503050406030204" pitchFamily="18" charset="0"/>
                         </a:rPr>
-                        <m:t>=</m:t>
+                        <m:t>=−</m:t>
                       </m:r>
                       <m:f>
                         <m:fPr>
